--- a/答辩ppt/纪业.pptx
+++ b/答辩ppt/纪业.pptx
@@ -24123,7 +24123,23 @@
               </a:rPr>
               <a:t>高级技巧</a:t>
             </a:r>
-            <a:endParaRPr lang="en-US" altLang="zh-CN" sz="2250" dirty="0" smtClean="0">
+            <a:endParaRPr lang="zh-CN" altLang="en-US" sz="2250" dirty="0" smtClean="0">
+              <a:solidFill>
+                <a:srgbClr val="040404"/>
+              </a:solidFill>
+            </a:endParaRPr>
+          </a:p>
+          <a:p>
+            <a:pPr marL="1088390" lvl="2" indent="-457200"/>
+            <a:r>
+              <a:rPr lang="zh-CN" altLang="en-US" sz="2250" dirty="0" smtClean="0">
+                <a:solidFill>
+                  <a:srgbClr val="040404"/>
+                </a:solidFill>
+              </a:rPr>
+              <a:t>语法糖</a:t>
+            </a:r>
+            <a:endParaRPr lang="zh-CN" altLang="en-US" sz="2250" dirty="0" smtClean="0">
               <a:solidFill>
                 <a:srgbClr val="040404"/>
               </a:solidFill>
@@ -25628,7 +25644,16 @@
                 </a:solidFill>
                 <a:sym typeface="+mn-ea"/>
               </a:rPr>
-              <a:t>)[Ellis@SIGMOD'89]</a:t>
+              <a:t>)</a:t>
+            </a:r>
+            <a:r>
+              <a:rPr lang="en-US" altLang="zh-CN" sz="1600" dirty="0" smtClean="0">
+                <a:solidFill>
+                  <a:srgbClr val="040404"/>
+                </a:solidFill>
+                <a:sym typeface="+mn-ea"/>
+              </a:rPr>
+              <a:t>[Ellis@SIGMOD'89]</a:t>
             </a:r>
             <a:r>
               <a:rPr lang="zh-CN" altLang="en-US" dirty="0" smtClean="0">
@@ -26505,7 +26530,7 @@
               <a:t>协议 </a:t>
             </a:r>
             <a:r>
-              <a:rPr lang="en-US" altLang="zh-CN" dirty="0" smtClean="0">
+              <a:rPr lang="en-US" altLang="zh-CN" sz="1600" dirty="0" smtClean="0">
                 <a:solidFill>
                   <a:srgbClr val="040404"/>
                 </a:solidFill>
@@ -26513,7 +26538,7 @@
               </a:rPr>
               <a:t>[Nichols@UIST'95]</a:t>
             </a:r>
-            <a:endParaRPr lang="en-US" altLang="zh-CN" dirty="0" smtClean="0">
+            <a:endParaRPr lang="en-US" altLang="zh-CN" sz="1600" dirty="0" smtClean="0">
               <a:solidFill>
                 <a:srgbClr val="040404"/>
               </a:solidFill>
@@ -26543,7 +26568,7 @@
               <a:t>相关进展  </a:t>
             </a:r>
             <a:r>
-              <a:rPr lang="en-US" altLang="zh-CN" dirty="0" smtClean="0">
+              <a:rPr lang="en-US" altLang="zh-CN" sz="1600" dirty="0" smtClean="0">
                 <a:solidFill>
                   <a:srgbClr val="040404"/>
                 </a:solidFill>
@@ -26554,7 +26579,7 @@
               <a:t>[S</a:t>
             </a:r>
             <a:r>
-              <a:rPr lang="en-US" altLang="zh-CN" dirty="0" smtClean="0">
+              <a:rPr lang="en-US" altLang="zh-CN" sz="1600" dirty="0" smtClean="0">
                 <a:solidFill>
                   <a:srgbClr val="040404"/>
                 </a:solidFill>
@@ -26564,7 +26589,7 @@
               <a:t>un@CSCW'98][Sun@TPDS'09]</a:t>
             </a:r>
             <a:r>
-              <a:rPr lang="en-US" altLang="zh-CN" dirty="0" smtClean="0">
+              <a:rPr lang="en-US" altLang="zh-CN" sz="1600" dirty="0" smtClean="0">
                 <a:solidFill>
                   <a:srgbClr val="040404"/>
                 </a:solidFill>
@@ -26574,7 +26599,7 @@
               </a:rPr>
               <a:t>[Sun@CSCW'14]</a:t>
             </a:r>
-            <a:endParaRPr lang="en-US" altLang="zh-CN" dirty="0">
+            <a:endParaRPr lang="en-US" altLang="zh-CN" sz="1600" dirty="0">
               <a:solidFill>
                 <a:srgbClr val="040404"/>
               </a:solidFill>
@@ -28492,7 +28517,7 @@
               <a:t> </a:t>
             </a:r>
             <a:r>
-              <a:rPr lang="en-US" altLang="zh-CN" dirty="0" smtClean="0">
+              <a:rPr lang="en-US" altLang="zh-CN" sz="1600" dirty="0" smtClean="0">
                 <a:solidFill>
                   <a:srgbClr val="040404"/>
                 </a:solidFill>
@@ -28500,10 +28525,11 @@
               </a:rPr>
               <a:t>[Sun@CSCW’14]</a:t>
             </a:r>
-            <a:endParaRPr lang="zh-CN" altLang="en-US" dirty="0">
+            <a:endParaRPr lang="en-US" altLang="zh-CN" sz="1600" dirty="0" smtClean="0">
               <a:solidFill>
                 <a:srgbClr val="040404"/>
               </a:solidFill>
+              <a:sym typeface="Wingdings" panose="05000000000000000000" pitchFamily="2" charset="2"/>
             </a:endParaRPr>
           </a:p>
           <a:p>
@@ -29298,7 +29324,7 @@
               <a:t>函数的设计</a:t>
             </a:r>
             <a:r>
-              <a:rPr lang="en-US" altLang="zh-CN" dirty="0" smtClean="0">
+              <a:rPr lang="en-US" altLang="zh-CN" sz="1600" dirty="0" smtClean="0">
                 <a:solidFill>
                   <a:srgbClr val="040404"/>
                 </a:solidFill>
@@ -29425,7 +29451,7 @@
         </p:blipFill>
         <p:spPr>
           <a:xfrm>
-            <a:off x="1153068" y="2226310"/>
+            <a:off x="1389288" y="1998345"/>
             <a:ext cx="6879431" cy="3491865"/>
           </a:xfrm>
           <a:prstGeom prst="rect">
